--- a/A Study of Coffee Production final.pptx
+++ b/A Study of Coffee Production final.pptx
@@ -26,7 +26,11 @@
     <p:sldId id="268" r:id="rId20"/>
     <p:sldId id="270" r:id="rId21"/>
     <p:sldId id="271" r:id="rId22"/>
-    <p:sldId id="272" r:id="rId23"/>
+    <p:sldId id="282" r:id="rId23"/>
+    <p:sldId id="284" r:id="rId24"/>
+    <p:sldId id="283" r:id="rId25"/>
+    <p:sldId id="286" r:id="rId26"/>
+    <p:sldId id="285" r:id="rId27"/>
   </p:sldIdLst>
   <p:sldSz cx="12192000" cy="6858000"/>
   <p:notesSz cx="6858000" cy="9144000"/>
@@ -8575,16 +8579,24 @@
                 <a:ea typeface="Aptos" panose="020B0004020202020204" pitchFamily="34" charset="0"/>
                 <a:cs typeface="Times New Roman" panose="02020603050405020304" pitchFamily="18" charset="0"/>
               </a:rPr>
-              <a:t>Placeholder for </a:t>
-            </a:r>
-            <a:r>
-              <a:rPr lang="en-US" sz="1800" dirty="0" err="1">
+              <a:t>Answer to question: </a:t>
+            </a:r>
+            <a:br>
+              <a:rPr lang="en-US" sz="1800" dirty="0">
                 <a:effectLst/>
                 <a:latin typeface="Aptos" panose="020B0004020202020204" pitchFamily="34" charset="0"/>
                 <a:ea typeface="Aptos" panose="020B0004020202020204" pitchFamily="34" charset="0"/>
                 <a:cs typeface="Times New Roman" panose="02020603050405020304" pitchFamily="18" charset="0"/>
               </a:rPr>
-              <a:t>comsumption</a:t>
+            </a:br>
+            <a:r>
+              <a:rPr lang="en-US" sz="1800" dirty="0">
+                <a:effectLst/>
+                <a:latin typeface="Aptos" panose="020B0004020202020204" pitchFamily="34" charset="0"/>
+                <a:ea typeface="Aptos" panose="020B0004020202020204" pitchFamily="34" charset="0"/>
+                <a:cs typeface="Times New Roman" panose="02020603050405020304" pitchFamily="18" charset="0"/>
+              </a:rPr>
+              <a:t>What countries produce the most coffee and does that affect the quality of coffee produced?</a:t>
             </a:r>
             <a:endParaRPr lang="en-US" sz="2400" dirty="0"/>
           </a:p>
@@ -8649,10 +8661,484 @@
           </a:p>
         </p:txBody>
       </p:sp>
+      <p:pic>
+        <p:nvPicPr>
+          <p:cNvPr id="3" name="Picture 2">
+            <a:extLst>
+              <a:ext uri="{FF2B5EF4-FFF2-40B4-BE49-F238E27FC236}">
+                <a16:creationId xmlns:a16="http://schemas.microsoft.com/office/drawing/2014/main" id="{624CAC42-9AB0-0459-645D-8C95DC2A3882}"/>
+              </a:ext>
+            </a:extLst>
+          </p:cNvPr>
+          <p:cNvPicPr>
+            <a:picLocks noChangeAspect="1"/>
+          </p:cNvPicPr>
+          <p:nvPr/>
+        </p:nvPicPr>
+        <p:blipFill>
+          <a:blip r:embed="rId2"/>
+          <a:stretch>
+            <a:fillRect/>
+          </a:stretch>
+        </p:blipFill>
+        <p:spPr>
+          <a:xfrm>
+            <a:off x="2469823" y="1389275"/>
+            <a:ext cx="6674441" cy="3754373"/>
+          </a:xfrm>
+          <a:prstGeom prst="rect">
+            <a:avLst/>
+          </a:prstGeom>
+        </p:spPr>
+      </p:pic>
     </p:spTree>
     <p:extLst>
       <p:ext uri="{BB962C8B-B14F-4D97-AF65-F5344CB8AC3E}">
-        <p14:creationId xmlns:p14="http://schemas.microsoft.com/office/powerpoint/2010/main" val="2874767483"/>
+        <p14:creationId xmlns:p14="http://schemas.microsoft.com/office/powerpoint/2010/main" val="262071278"/>
+      </p:ext>
+    </p:extLst>
+  </p:cSld>
+  <p:clrMapOvr>
+    <a:masterClrMapping/>
+  </p:clrMapOvr>
+</p:sld>
+</file>
+
+<file path=ppt/slides/slide23.xml><?xml version="1.0" encoding="utf-8"?>
+<p:sld xmlns:a="http://schemas.openxmlformats.org/drawingml/2006/main" xmlns:r="http://schemas.openxmlformats.org/officeDocument/2006/relationships" xmlns:p="http://schemas.openxmlformats.org/presentationml/2006/main">
+  <p:cSld>
+    <p:spTree>
+      <p:nvGrpSpPr>
+        <p:cNvPr id="1" name=""/>
+        <p:cNvGrpSpPr/>
+        <p:nvPr/>
+      </p:nvGrpSpPr>
+      <p:grpSpPr>
+        <a:xfrm>
+          <a:off x="0" y="0"/>
+          <a:ext cx="0" cy="0"/>
+          <a:chOff x="0" y="0"/>
+          <a:chExt cx="0" cy="0"/>
+        </a:xfrm>
+      </p:grpSpPr>
+      <p:sp>
+        <p:nvSpPr>
+          <p:cNvPr id="2" name="Title 1">
+            <a:extLst>
+              <a:ext uri="{FF2B5EF4-FFF2-40B4-BE49-F238E27FC236}">
+                <a16:creationId xmlns:a16="http://schemas.microsoft.com/office/drawing/2014/main" id="{4E50B996-81AE-4E75-1F3D-1FBFBC318B4A}"/>
+              </a:ext>
+            </a:extLst>
+          </p:cNvPr>
+          <p:cNvSpPr>
+            <a:spLocks noGrp="1"/>
+          </p:cNvSpPr>
+          <p:nvPr>
+            <p:ph type="title"/>
+          </p:nvPr>
+        </p:nvSpPr>
+        <p:spPr>
+          <a:xfrm>
+            <a:off x="913795" y="609600"/>
+            <a:ext cx="10353762" cy="1257300"/>
+          </a:xfrm>
+        </p:spPr>
+        <p:txBody>
+          <a:bodyPr>
+            <a:normAutofit/>
+          </a:bodyPr>
+          <a:lstStyle/>
+          <a:p>
+            <a:endParaRPr lang="en-US" dirty="0"/>
+          </a:p>
+        </p:txBody>
+      </p:sp>
+      <p:pic>
+        <p:nvPicPr>
+          <p:cNvPr id="4" name="Picture 3">
+            <a:extLst>
+              <a:ext uri="{FF2B5EF4-FFF2-40B4-BE49-F238E27FC236}">
+                <a16:creationId xmlns:a16="http://schemas.microsoft.com/office/drawing/2014/main" id="{C3AE284A-F258-F9E1-4198-C608918BC747}"/>
+              </a:ext>
+            </a:extLst>
+          </p:cNvPr>
+          <p:cNvPicPr>
+            <a:picLocks noChangeAspect="1"/>
+          </p:cNvPicPr>
+          <p:nvPr/>
+        </p:nvPicPr>
+        <p:blipFill>
+          <a:blip r:embed="rId2"/>
+          <a:stretch>
+            <a:fillRect/>
+          </a:stretch>
+        </p:blipFill>
+        <p:spPr>
+          <a:xfrm>
+            <a:off x="1" y="1"/>
+            <a:ext cx="12192000" cy="6858000"/>
+          </a:xfrm>
+          <a:prstGeom prst="rect">
+            <a:avLst/>
+          </a:prstGeom>
+        </p:spPr>
+      </p:pic>
+    </p:spTree>
+    <p:extLst>
+      <p:ext uri="{BB962C8B-B14F-4D97-AF65-F5344CB8AC3E}">
+        <p14:creationId xmlns:p14="http://schemas.microsoft.com/office/powerpoint/2010/main" val="3059574258"/>
+      </p:ext>
+    </p:extLst>
+  </p:cSld>
+  <p:clrMapOvr>
+    <a:masterClrMapping/>
+  </p:clrMapOvr>
+</p:sld>
+</file>
+
+<file path=ppt/slides/slide24.xml><?xml version="1.0" encoding="utf-8"?>
+<p:sld xmlns:a="http://schemas.openxmlformats.org/drawingml/2006/main" xmlns:r="http://schemas.openxmlformats.org/officeDocument/2006/relationships" xmlns:p="http://schemas.openxmlformats.org/presentationml/2006/main">
+  <p:cSld>
+    <p:spTree>
+      <p:nvGrpSpPr>
+        <p:cNvPr id="1" name=""/>
+        <p:cNvGrpSpPr/>
+        <p:nvPr/>
+      </p:nvGrpSpPr>
+      <p:grpSpPr>
+        <a:xfrm>
+          <a:off x="0" y="0"/>
+          <a:ext cx="0" cy="0"/>
+          <a:chOff x="0" y="0"/>
+          <a:chExt cx="0" cy="0"/>
+        </a:xfrm>
+      </p:grpSpPr>
+      <p:sp>
+        <p:nvSpPr>
+          <p:cNvPr id="2" name="Title 1">
+            <a:extLst>
+              <a:ext uri="{FF2B5EF4-FFF2-40B4-BE49-F238E27FC236}">
+                <a16:creationId xmlns:a16="http://schemas.microsoft.com/office/drawing/2014/main" id="{4E50B996-81AE-4E75-1F3D-1FBFBC318B4A}"/>
+              </a:ext>
+            </a:extLst>
+          </p:cNvPr>
+          <p:cNvSpPr>
+            <a:spLocks noGrp="1"/>
+          </p:cNvSpPr>
+          <p:nvPr>
+            <p:ph type="title"/>
+          </p:nvPr>
+        </p:nvSpPr>
+        <p:spPr>
+          <a:xfrm>
+            <a:off x="850185" y="92765"/>
+            <a:ext cx="10353762" cy="1257300"/>
+          </a:xfrm>
+        </p:spPr>
+        <p:txBody>
+          <a:bodyPr>
+            <a:normAutofit/>
+          </a:bodyPr>
+          <a:lstStyle/>
+          <a:p>
+            <a:endParaRPr lang="en-US" sz="2400" dirty="0"/>
+          </a:p>
+        </p:txBody>
+      </p:sp>
+      <p:pic>
+        <p:nvPicPr>
+          <p:cNvPr id="3" name="Picture 2">
+            <a:extLst>
+              <a:ext uri="{FF2B5EF4-FFF2-40B4-BE49-F238E27FC236}">
+                <a16:creationId xmlns:a16="http://schemas.microsoft.com/office/drawing/2014/main" id="{C3B56C52-98D9-BDAC-3B8A-592088CB9054}"/>
+              </a:ext>
+            </a:extLst>
+          </p:cNvPr>
+          <p:cNvPicPr>
+            <a:picLocks noChangeAspect="1"/>
+          </p:cNvPicPr>
+          <p:nvPr/>
+        </p:nvPicPr>
+        <p:blipFill>
+          <a:blip r:embed="rId2"/>
+          <a:stretch>
+            <a:fillRect/>
+          </a:stretch>
+        </p:blipFill>
+        <p:spPr>
+          <a:xfrm>
+            <a:off x="-1" y="-1"/>
+            <a:ext cx="12192001" cy="6858001"/>
+          </a:xfrm>
+          <a:prstGeom prst="rect">
+            <a:avLst/>
+          </a:prstGeom>
+        </p:spPr>
+      </p:pic>
+    </p:spTree>
+    <p:extLst>
+      <p:ext uri="{BB962C8B-B14F-4D97-AF65-F5344CB8AC3E}">
+        <p14:creationId xmlns:p14="http://schemas.microsoft.com/office/powerpoint/2010/main" val="4129901746"/>
+      </p:ext>
+    </p:extLst>
+  </p:cSld>
+  <p:clrMapOvr>
+    <a:masterClrMapping/>
+  </p:clrMapOvr>
+</p:sld>
+</file>
+
+<file path=ppt/slides/slide25.xml><?xml version="1.0" encoding="utf-8"?>
+<p:sld xmlns:a="http://schemas.openxmlformats.org/drawingml/2006/main" xmlns:r="http://schemas.openxmlformats.org/officeDocument/2006/relationships" xmlns:p="http://schemas.openxmlformats.org/presentationml/2006/main">
+  <p:cSld>
+    <p:spTree>
+      <p:nvGrpSpPr>
+        <p:cNvPr id="1" name=""/>
+        <p:cNvGrpSpPr/>
+        <p:nvPr/>
+      </p:nvGrpSpPr>
+      <p:grpSpPr>
+        <a:xfrm>
+          <a:off x="0" y="0"/>
+          <a:ext cx="0" cy="0"/>
+          <a:chOff x="0" y="0"/>
+          <a:chExt cx="0" cy="0"/>
+        </a:xfrm>
+      </p:grpSpPr>
+      <p:sp>
+        <p:nvSpPr>
+          <p:cNvPr id="2" name="Title 1">
+            <a:extLst>
+              <a:ext uri="{FF2B5EF4-FFF2-40B4-BE49-F238E27FC236}">
+                <a16:creationId xmlns:a16="http://schemas.microsoft.com/office/drawing/2014/main" id="{4E50B996-81AE-4E75-1F3D-1FBFBC318B4A}"/>
+              </a:ext>
+            </a:extLst>
+          </p:cNvPr>
+          <p:cNvSpPr>
+            <a:spLocks noGrp="1"/>
+          </p:cNvSpPr>
+          <p:nvPr>
+            <p:ph type="title"/>
+          </p:nvPr>
+        </p:nvSpPr>
+        <p:spPr>
+          <a:xfrm>
+            <a:off x="850185" y="92765"/>
+            <a:ext cx="10353762" cy="1257300"/>
+          </a:xfrm>
+        </p:spPr>
+        <p:txBody>
+          <a:bodyPr>
+            <a:normAutofit/>
+          </a:bodyPr>
+          <a:lstStyle/>
+          <a:p>
+            <a:r>
+              <a:rPr lang="en-US" sz="2000" dirty="0">
+                <a:effectLst/>
+                <a:latin typeface="Aptos" panose="020B0004020202020204" pitchFamily="34" charset="0"/>
+                <a:ea typeface="Aptos" panose="020B0004020202020204" pitchFamily="34" charset="0"/>
+                <a:cs typeface="Times New Roman" panose="02020603050405020304" pitchFamily="18" charset="0"/>
+              </a:rPr>
+              <a:t>Answer: </a:t>
+            </a:r>
+            <a:br>
+              <a:rPr lang="en-US" sz="2000" dirty="0">
+                <a:effectLst/>
+                <a:latin typeface="Aptos" panose="020B0004020202020204" pitchFamily="34" charset="0"/>
+                <a:ea typeface="Aptos" panose="020B0004020202020204" pitchFamily="34" charset="0"/>
+                <a:cs typeface="Times New Roman" panose="02020603050405020304" pitchFamily="18" charset="0"/>
+              </a:rPr>
+            </a:br>
+            <a:r>
+              <a:rPr lang="en-US" sz="1800" dirty="0">
+                <a:effectLst/>
+                <a:latin typeface="Calibri" panose="020F0502020204030204" pitchFamily="34" charset="0"/>
+                <a:ea typeface="Calibri" panose="020F0502020204030204" pitchFamily="34" charset="0"/>
+                <a:cs typeface="Times New Roman" panose="02020603050405020304" pitchFamily="18" charset="0"/>
+              </a:rPr>
+              <a:t>What countries consume the most coffee? Does the amount of coffee that is produced influence consumption?</a:t>
+            </a:r>
+            <a:endParaRPr lang="en-US" sz="2000" dirty="0"/>
+          </a:p>
+        </p:txBody>
+      </p:sp>
+      <p:sp>
+        <p:nvSpPr>
+          <p:cNvPr id="3" name="TextBox 2">
+            <a:extLst>
+              <a:ext uri="{FF2B5EF4-FFF2-40B4-BE49-F238E27FC236}">
+                <a16:creationId xmlns:a16="http://schemas.microsoft.com/office/drawing/2014/main" id="{0BA4ED6D-6EA9-398D-F3B4-5A211D92887D}"/>
+              </a:ext>
+            </a:extLst>
+          </p:cNvPr>
+          <p:cNvSpPr txBox="1"/>
+          <p:nvPr/>
+        </p:nvSpPr>
+        <p:spPr>
+          <a:xfrm>
+            <a:off x="723330" y="2374710"/>
+            <a:ext cx="10480617" cy="1200329"/>
+          </a:xfrm>
+          <a:prstGeom prst="rect">
+            <a:avLst/>
+          </a:prstGeom>
+          <a:noFill/>
+        </p:spPr>
+        <p:txBody>
+          <a:bodyPr wrap="square" rtlCol="0">
+            <a:spAutoFit/>
+          </a:bodyPr>
+          <a:lstStyle/>
+          <a:p>
+            <a:pPr marL="0" marR="0" lvl="0" indent="0" algn="l" defTabSz="914400" rtl="0" eaLnBrk="1" fontAlgn="auto" latinLnBrk="0" hangingPunct="1">
+              <a:lnSpc>
+                <a:spcPct val="100000"/>
+              </a:lnSpc>
+              <a:spcBef>
+                <a:spcPts val="0"/>
+              </a:spcBef>
+              <a:spcAft>
+                <a:spcPts val="0"/>
+              </a:spcAft>
+              <a:buClrTx/>
+              <a:buSzTx/>
+              <a:buFontTx/>
+              <a:buNone/>
+              <a:tabLst/>
+              <a:defRPr/>
+            </a:pPr>
+            <a:r>
+              <a:rPr kumimoji="0" lang="en-US" sz="1800" b="1" i="0" u="none" strike="noStrike" kern="1200" cap="none" spc="0" normalizeH="0" baseline="0" noProof="0" dirty="0">
+                <a:ln>
+                  <a:noFill/>
+                </a:ln>
+                <a:solidFill>
+                  <a:srgbClr val="FFFFFF"/>
+                </a:solidFill>
+                <a:effectLst/>
+                <a:highlight>
+                  <a:srgbClr val="111111"/>
+                </a:highlight>
+                <a:uLnTx/>
+                <a:uFillTx/>
+                <a:latin typeface="system-ui"/>
+                <a:ea typeface="+mn-ea"/>
+                <a:cs typeface="+mn-cs"/>
+              </a:rPr>
+              <a:t>The findings prove that production and consumption go hand in hand. Brazil producing the most coffee and in turn consuming the most coffee. Country to Country the data demonstrated that the more a country produced the more it consumed for example Brazil, Indonesia, Mexico and Columbia.</a:t>
+            </a:r>
+          </a:p>
+          <a:p>
+            <a:pPr marL="0" marR="0" lvl="0" indent="0" algn="l" defTabSz="914400" rtl="0" eaLnBrk="1" fontAlgn="auto" latinLnBrk="0" hangingPunct="1">
+              <a:lnSpc>
+                <a:spcPct val="100000"/>
+              </a:lnSpc>
+              <a:spcBef>
+                <a:spcPts val="0"/>
+              </a:spcBef>
+              <a:spcAft>
+                <a:spcPts val="0"/>
+              </a:spcAft>
+              <a:buClrTx/>
+              <a:buSzTx/>
+              <a:buFontTx/>
+              <a:buNone/>
+              <a:tabLst/>
+              <a:defRPr/>
+            </a:pPr>
+            <a:endParaRPr kumimoji="0" lang="en-US" sz="1800" b="0" i="0" u="none" strike="noStrike" kern="1200" cap="none" spc="0" normalizeH="0" baseline="0" noProof="0" dirty="0">
+              <a:ln>
+                <a:noFill/>
+              </a:ln>
+              <a:solidFill>
+                <a:prstClr val="white"/>
+              </a:solidFill>
+              <a:effectLst/>
+              <a:uLnTx/>
+              <a:uFillTx/>
+              <a:latin typeface="Goudy Old Style"/>
+              <a:ea typeface="+mn-ea"/>
+              <a:cs typeface="+mn-cs"/>
+            </a:endParaRPr>
+          </a:p>
+        </p:txBody>
+      </p:sp>
+    </p:spTree>
+    <p:extLst>
+      <p:ext uri="{BB962C8B-B14F-4D97-AF65-F5344CB8AC3E}">
+        <p14:creationId xmlns:p14="http://schemas.microsoft.com/office/powerpoint/2010/main" val="1913316268"/>
+      </p:ext>
+    </p:extLst>
+  </p:cSld>
+  <p:clrMapOvr>
+    <a:masterClrMapping/>
+  </p:clrMapOvr>
+</p:sld>
+</file>
+
+<file path=ppt/slides/slide26.xml><?xml version="1.0" encoding="utf-8"?>
+<p:sld xmlns:a="http://schemas.openxmlformats.org/drawingml/2006/main" xmlns:r="http://schemas.openxmlformats.org/officeDocument/2006/relationships" xmlns:p="http://schemas.openxmlformats.org/presentationml/2006/main">
+  <p:cSld>
+    <p:spTree>
+      <p:nvGrpSpPr>
+        <p:cNvPr id="1" name=""/>
+        <p:cNvGrpSpPr/>
+        <p:nvPr/>
+      </p:nvGrpSpPr>
+      <p:grpSpPr>
+        <a:xfrm>
+          <a:off x="0" y="0"/>
+          <a:ext cx="0" cy="0"/>
+          <a:chOff x="0" y="0"/>
+          <a:chExt cx="0" cy="0"/>
+        </a:xfrm>
+      </p:grpSpPr>
+      <p:sp>
+        <p:nvSpPr>
+          <p:cNvPr id="2" name="Title 1">
+            <a:extLst>
+              <a:ext uri="{FF2B5EF4-FFF2-40B4-BE49-F238E27FC236}">
+                <a16:creationId xmlns:a16="http://schemas.microsoft.com/office/drawing/2014/main" id="{4E50B996-81AE-4E75-1F3D-1FBFBC318B4A}"/>
+              </a:ext>
+            </a:extLst>
+          </p:cNvPr>
+          <p:cNvSpPr>
+            <a:spLocks noGrp="1"/>
+          </p:cNvSpPr>
+          <p:nvPr>
+            <p:ph type="title"/>
+          </p:nvPr>
+        </p:nvSpPr>
+        <p:spPr>
+          <a:xfrm>
+            <a:off x="850185" y="92765"/>
+            <a:ext cx="10353762" cy="1257300"/>
+          </a:xfrm>
+        </p:spPr>
+        <p:txBody>
+          <a:bodyPr>
+            <a:normAutofit/>
+          </a:bodyPr>
+          <a:lstStyle/>
+          <a:p>
+            <a:r>
+              <a:rPr lang="en-US" sz="1800" dirty="0">
+                <a:effectLst/>
+                <a:latin typeface="Aptos" panose="020B0004020202020204" pitchFamily="34" charset="0"/>
+                <a:ea typeface="Aptos" panose="020B0004020202020204" pitchFamily="34" charset="0"/>
+                <a:cs typeface="Times New Roman" panose="02020603050405020304" pitchFamily="18" charset="0"/>
+              </a:rPr>
+              <a:t>Conclusion</a:t>
+            </a:r>
+            <a:endParaRPr lang="en-US" sz="2400" dirty="0"/>
+          </a:p>
+        </p:txBody>
+      </p:sp>
+    </p:spTree>
+    <p:extLst>
+      <p:ext uri="{BB962C8B-B14F-4D97-AF65-F5344CB8AC3E}">
+        <p14:creationId xmlns:p14="http://schemas.microsoft.com/office/powerpoint/2010/main" val="1693005045"/>
       </p:ext>
     </p:extLst>
   </p:cSld>

--- a/A Study of Coffee Production final.pptx
+++ b/A Study of Coffee Production final.pptx
@@ -26,11 +26,10 @@
     <p:sldId id="268" r:id="rId20"/>
     <p:sldId id="270" r:id="rId21"/>
     <p:sldId id="271" r:id="rId22"/>
-    <p:sldId id="282" r:id="rId23"/>
-    <p:sldId id="284" r:id="rId24"/>
-    <p:sldId id="283" r:id="rId25"/>
-    <p:sldId id="286" r:id="rId26"/>
-    <p:sldId id="285" r:id="rId27"/>
+    <p:sldId id="284" r:id="rId23"/>
+    <p:sldId id="283" r:id="rId24"/>
+    <p:sldId id="286" r:id="rId25"/>
+    <p:sldId id="285" r:id="rId26"/>
   </p:sldIdLst>
   <p:sldSz cx="12192000" cy="6858000"/>
   <p:notesSz cx="6858000" cy="9144000"/>
@@ -8562,7 +8561,7 @@
         </p:nvSpPr>
         <p:spPr>
           <a:xfrm>
-            <a:off x="850185" y="92765"/>
+            <a:off x="913795" y="609600"/>
             <a:ext cx="10353762" cy="1257300"/>
           </a:xfrm>
         </p:spPr>
@@ -8572,101 +8571,16 @@
           </a:bodyPr>
           <a:lstStyle/>
           <a:p>
-            <a:r>
-              <a:rPr lang="en-US" sz="1800" dirty="0">
-                <a:effectLst/>
-                <a:latin typeface="Aptos" panose="020B0004020202020204" pitchFamily="34" charset="0"/>
-                <a:ea typeface="Aptos" panose="020B0004020202020204" pitchFamily="34" charset="0"/>
-                <a:cs typeface="Times New Roman" panose="02020603050405020304" pitchFamily="18" charset="0"/>
-              </a:rPr>
-              <a:t>Answer to question: </a:t>
-            </a:r>
-            <a:br>
-              <a:rPr lang="en-US" sz="1800" dirty="0">
-                <a:effectLst/>
-                <a:latin typeface="Aptos" panose="020B0004020202020204" pitchFamily="34" charset="0"/>
-                <a:ea typeface="Aptos" panose="020B0004020202020204" pitchFamily="34" charset="0"/>
-                <a:cs typeface="Times New Roman" panose="02020603050405020304" pitchFamily="18" charset="0"/>
-              </a:rPr>
-            </a:br>
-            <a:r>
-              <a:rPr lang="en-US" sz="1800" dirty="0">
-                <a:effectLst/>
-                <a:latin typeface="Aptos" panose="020B0004020202020204" pitchFamily="34" charset="0"/>
-                <a:ea typeface="Aptos" panose="020B0004020202020204" pitchFamily="34" charset="0"/>
-                <a:cs typeface="Times New Roman" panose="02020603050405020304" pitchFamily="18" charset="0"/>
-              </a:rPr>
-              <a:t>What countries produce the most coffee and does that affect the quality of coffee produced?</a:t>
-            </a:r>
-            <a:endParaRPr lang="en-US" sz="2400" dirty="0"/>
-          </a:p>
-        </p:txBody>
-      </p:sp>
-      <p:sp>
-        <p:nvSpPr>
-          <p:cNvPr id="5" name="TextBox 4">
+            <a:endParaRPr lang="en-US" dirty="0"/>
+          </a:p>
+        </p:txBody>
+      </p:sp>
+      <p:pic>
+        <p:nvPicPr>
+          <p:cNvPr id="4" name="Picture 3">
             <a:extLst>
               <a:ext uri="{FF2B5EF4-FFF2-40B4-BE49-F238E27FC236}">
-                <a16:creationId xmlns:a16="http://schemas.microsoft.com/office/drawing/2014/main" id="{D1E369A4-07E9-E30A-5237-6149C7EAC6BF}"/>
-              </a:ext>
-            </a:extLst>
-          </p:cNvPr>
-          <p:cNvSpPr txBox="1"/>
-          <p:nvPr/>
-        </p:nvSpPr>
-        <p:spPr>
-          <a:xfrm>
-            <a:off x="391886" y="2573383"/>
-            <a:ext cx="11234057" cy="1267655"/>
-          </a:xfrm>
-          <a:prstGeom prst="rect">
-            <a:avLst/>
-          </a:prstGeom>
-          <a:noFill/>
-        </p:spPr>
-        <p:txBody>
-          <a:bodyPr wrap="square" rtlCol="0">
-            <a:spAutoFit/>
-          </a:bodyPr>
-          <a:lstStyle/>
-          <a:p>
-            <a:pPr marL="342900" marR="0" lvl="0" indent="-342900">
-              <a:lnSpc>
-                <a:spcPct val="107000"/>
-              </a:lnSpc>
-              <a:spcBef>
-                <a:spcPts val="0"/>
-              </a:spcBef>
-              <a:spcAft>
-                <a:spcPts val="800"/>
-              </a:spcAft>
-              <a:buFont typeface="Aptos" panose="020B0004020202020204" pitchFamily="34" charset="0"/>
-              <a:buChar char="-"/>
-            </a:pPr>
-            <a:r>
-              <a:rPr lang="en-US" sz="1800" dirty="0">
-                <a:effectLst/>
-                <a:latin typeface="Aptos" panose="020B0004020202020204" pitchFamily="34" charset="0"/>
-                <a:ea typeface="Aptos" panose="020B0004020202020204" pitchFamily="34" charset="0"/>
-                <a:cs typeface="Times New Roman" panose="02020603050405020304" pitchFamily="18" charset="0"/>
-              </a:rPr>
-              <a:t>No, it does not. What countries produce the most coffee and does NOT impact the quality of coffee produced. All of the scores are so closely related it does not appear to influence the quality even where there is a lot more of production of coffee like Brazil, they are still neck and neck with Panama, Haiti, Malawi who have barely any production of coffee in comparison. </a:t>
-            </a:r>
-            <a:endParaRPr lang="en-US" sz="1800" kern="100" dirty="0">
-              <a:effectLst/>
-              <a:latin typeface="Aptos" panose="020B0004020202020204" pitchFamily="34" charset="0"/>
-              <a:ea typeface="Aptos" panose="020B0004020202020204" pitchFamily="34" charset="0"/>
-              <a:cs typeface="Times New Roman" panose="02020603050405020304" pitchFamily="18" charset="0"/>
-            </a:endParaRPr>
-          </a:p>
-        </p:txBody>
-      </p:sp>
-      <p:pic>
-        <p:nvPicPr>
-          <p:cNvPr id="3" name="Picture 2">
-            <a:extLst>
-              <a:ext uri="{FF2B5EF4-FFF2-40B4-BE49-F238E27FC236}">
-                <a16:creationId xmlns:a16="http://schemas.microsoft.com/office/drawing/2014/main" id="{624CAC42-9AB0-0459-645D-8C95DC2A3882}"/>
+                <a16:creationId xmlns:a16="http://schemas.microsoft.com/office/drawing/2014/main" id="{C3AE284A-F258-F9E1-4198-C608918BC747}"/>
               </a:ext>
             </a:extLst>
           </p:cNvPr>
@@ -8683,8 +8597,8 @@
         </p:blipFill>
         <p:spPr>
           <a:xfrm>
-            <a:off x="2469823" y="1389275"/>
-            <a:ext cx="6674441" cy="3754373"/>
+            <a:off x="1" y="1"/>
+            <a:ext cx="12192000" cy="6858000"/>
           </a:xfrm>
           <a:prstGeom prst="rect">
             <a:avLst/>
@@ -8694,7 +8608,7 @@
     </p:spTree>
     <p:extLst>
       <p:ext uri="{BB962C8B-B14F-4D97-AF65-F5344CB8AC3E}">
-        <p14:creationId xmlns:p14="http://schemas.microsoft.com/office/powerpoint/2010/main" val="262071278"/>
+        <p14:creationId xmlns:p14="http://schemas.microsoft.com/office/powerpoint/2010/main" val="3059574258"/>
       </p:ext>
     </p:extLst>
   </p:cSld>
@@ -8739,7 +8653,7 @@
         </p:nvSpPr>
         <p:spPr>
           <a:xfrm>
-            <a:off x="913795" y="609600"/>
+            <a:off x="850185" y="92765"/>
             <a:ext cx="10353762" cy="1257300"/>
           </a:xfrm>
         </p:spPr>
@@ -8749,16 +8663,16 @@
           </a:bodyPr>
           <a:lstStyle/>
           <a:p>
-            <a:endParaRPr lang="en-US" dirty="0"/>
+            <a:endParaRPr lang="en-US" sz="2400" dirty="0"/>
           </a:p>
         </p:txBody>
       </p:sp>
       <p:pic>
         <p:nvPicPr>
-          <p:cNvPr id="4" name="Picture 3">
+          <p:cNvPr id="3" name="Picture 2">
             <a:extLst>
               <a:ext uri="{FF2B5EF4-FFF2-40B4-BE49-F238E27FC236}">
-                <a16:creationId xmlns:a16="http://schemas.microsoft.com/office/drawing/2014/main" id="{C3AE284A-F258-F9E1-4198-C608918BC747}"/>
+                <a16:creationId xmlns:a16="http://schemas.microsoft.com/office/drawing/2014/main" id="{C3B56C52-98D9-BDAC-3B8A-592088CB9054}"/>
               </a:ext>
             </a:extLst>
           </p:cNvPr>
@@ -8775,8 +8689,8 @@
         </p:blipFill>
         <p:spPr>
           <a:xfrm>
-            <a:off x="1" y="1"/>
-            <a:ext cx="12192000" cy="6858000"/>
+            <a:off x="-1" y="-1"/>
+            <a:ext cx="12192001" cy="6858001"/>
           </a:xfrm>
           <a:prstGeom prst="rect">
             <a:avLst/>
@@ -8786,7 +8700,7 @@
     </p:spTree>
     <p:extLst>
       <p:ext uri="{BB962C8B-B14F-4D97-AF65-F5344CB8AC3E}">
-        <p14:creationId xmlns:p14="http://schemas.microsoft.com/office/powerpoint/2010/main" val="3059574258"/>
+        <p14:creationId xmlns:p14="http://schemas.microsoft.com/office/powerpoint/2010/main" val="4129901746"/>
       </p:ext>
     </p:extLst>
   </p:cSld>
@@ -8841,98 +8755,6 @@
           </a:bodyPr>
           <a:lstStyle/>
           <a:p>
-            <a:endParaRPr lang="en-US" sz="2400" dirty="0"/>
-          </a:p>
-        </p:txBody>
-      </p:sp>
-      <p:pic>
-        <p:nvPicPr>
-          <p:cNvPr id="3" name="Picture 2">
-            <a:extLst>
-              <a:ext uri="{FF2B5EF4-FFF2-40B4-BE49-F238E27FC236}">
-                <a16:creationId xmlns:a16="http://schemas.microsoft.com/office/drawing/2014/main" id="{C3B56C52-98D9-BDAC-3B8A-592088CB9054}"/>
-              </a:ext>
-            </a:extLst>
-          </p:cNvPr>
-          <p:cNvPicPr>
-            <a:picLocks noChangeAspect="1"/>
-          </p:cNvPicPr>
-          <p:nvPr/>
-        </p:nvPicPr>
-        <p:blipFill>
-          <a:blip r:embed="rId2"/>
-          <a:stretch>
-            <a:fillRect/>
-          </a:stretch>
-        </p:blipFill>
-        <p:spPr>
-          <a:xfrm>
-            <a:off x="-1" y="-1"/>
-            <a:ext cx="12192001" cy="6858001"/>
-          </a:xfrm>
-          <a:prstGeom prst="rect">
-            <a:avLst/>
-          </a:prstGeom>
-        </p:spPr>
-      </p:pic>
-    </p:spTree>
-    <p:extLst>
-      <p:ext uri="{BB962C8B-B14F-4D97-AF65-F5344CB8AC3E}">
-        <p14:creationId xmlns:p14="http://schemas.microsoft.com/office/powerpoint/2010/main" val="4129901746"/>
-      </p:ext>
-    </p:extLst>
-  </p:cSld>
-  <p:clrMapOvr>
-    <a:masterClrMapping/>
-  </p:clrMapOvr>
-</p:sld>
-</file>
-
-<file path=ppt/slides/slide25.xml><?xml version="1.0" encoding="utf-8"?>
-<p:sld xmlns:a="http://schemas.openxmlformats.org/drawingml/2006/main" xmlns:r="http://schemas.openxmlformats.org/officeDocument/2006/relationships" xmlns:p="http://schemas.openxmlformats.org/presentationml/2006/main">
-  <p:cSld>
-    <p:spTree>
-      <p:nvGrpSpPr>
-        <p:cNvPr id="1" name=""/>
-        <p:cNvGrpSpPr/>
-        <p:nvPr/>
-      </p:nvGrpSpPr>
-      <p:grpSpPr>
-        <a:xfrm>
-          <a:off x="0" y="0"/>
-          <a:ext cx="0" cy="0"/>
-          <a:chOff x="0" y="0"/>
-          <a:chExt cx="0" cy="0"/>
-        </a:xfrm>
-      </p:grpSpPr>
-      <p:sp>
-        <p:nvSpPr>
-          <p:cNvPr id="2" name="Title 1">
-            <a:extLst>
-              <a:ext uri="{FF2B5EF4-FFF2-40B4-BE49-F238E27FC236}">
-                <a16:creationId xmlns:a16="http://schemas.microsoft.com/office/drawing/2014/main" id="{4E50B996-81AE-4E75-1F3D-1FBFBC318B4A}"/>
-              </a:ext>
-            </a:extLst>
-          </p:cNvPr>
-          <p:cNvSpPr>
-            <a:spLocks noGrp="1"/>
-          </p:cNvSpPr>
-          <p:nvPr>
-            <p:ph type="title"/>
-          </p:nvPr>
-        </p:nvSpPr>
-        <p:spPr>
-          <a:xfrm>
-            <a:off x="850185" y="92765"/>
-            <a:ext cx="10353762" cy="1257300"/>
-          </a:xfrm>
-        </p:spPr>
-        <p:txBody>
-          <a:bodyPr>
-            <a:normAutofit/>
-          </a:bodyPr>
-          <a:lstStyle/>
-          <a:p>
             <a:r>
               <a:rPr lang="en-US" sz="2000" dirty="0">
                 <a:effectLst/>
@@ -9077,7 +8899,7 @@
 </p:sld>
 </file>
 
-<file path=ppt/slides/slide26.xml><?xml version="1.0" encoding="utf-8"?>
+<file path=ppt/slides/slide25.xml><?xml version="1.0" encoding="utf-8"?>
 <p:sld xmlns:a="http://schemas.openxmlformats.org/drawingml/2006/main" xmlns:r="http://schemas.openxmlformats.org/officeDocument/2006/relationships" xmlns:p="http://schemas.openxmlformats.org/presentationml/2006/main">
   <p:cSld>
     <p:spTree>
